--- a/Präsentation/Präsentation.pptx
+++ b/Präsentation/Präsentation.pptx
@@ -6,6 +6,19 @@
   </p:sldMasterIdLst>
   <p:sldIdLst>
     <p:sldId id="256" r:id="rId2"/>
+    <p:sldId id="263" r:id="rId3"/>
+    <p:sldId id="257" r:id="rId4"/>
+    <p:sldId id="258" r:id="rId5"/>
+    <p:sldId id="259" r:id="rId6"/>
+    <p:sldId id="260" r:id="rId7"/>
+    <p:sldId id="261" r:id="rId8"/>
+    <p:sldId id="262" r:id="rId9"/>
+    <p:sldId id="264" r:id="rId10"/>
+    <p:sldId id="265" r:id="rId11"/>
+    <p:sldId id="266" r:id="rId12"/>
+    <p:sldId id="267" r:id="rId13"/>
+    <p:sldId id="268" r:id="rId14"/>
+    <p:sldId id="269" r:id="rId15"/>
   </p:sldIdLst>
   <p:sldSz cx="12192000" cy="6858000"/>
   <p:notesSz cx="6858000" cy="9144000"/>
@@ -104,6 +117,11 @@
       </a:defRPr>
     </a:lvl9pPr>
   </p:defaultTextStyle>
+  <p:extLst>
+    <p:ext uri="{EFAFB233-063F-42B5-8137-9DF3F51BA10A}">
+      <p15:sldGuideLst xmlns:p15="http://schemas.microsoft.com/office/powerpoint/2012/main"/>
+    </p:ext>
+  </p:extLst>
 </p:presentation>
 </file>
 
@@ -256,7 +274,7 @@
           <a:p>
             <a:fld id="{EB1168E7-864F-4B4A-9973-7F04440BDBE7}" type="datetimeFigureOut">
               <a:rPr lang="fr-FR" smtClean="0"/>
-              <a:t>18/06/2025</a:t>
+              <a:t>26/06/2025</a:t>
             </a:fld>
             <a:endParaRPr lang="fr-FR"/>
           </a:p>
@@ -456,7 +474,7 @@
           <a:p>
             <a:fld id="{EB1168E7-864F-4B4A-9973-7F04440BDBE7}" type="datetimeFigureOut">
               <a:rPr lang="fr-FR" smtClean="0"/>
-              <a:t>18/06/2025</a:t>
+              <a:t>26/06/2025</a:t>
             </a:fld>
             <a:endParaRPr lang="fr-FR"/>
           </a:p>
@@ -666,7 +684,7 @@
           <a:p>
             <a:fld id="{EB1168E7-864F-4B4A-9973-7F04440BDBE7}" type="datetimeFigureOut">
               <a:rPr lang="fr-FR" smtClean="0"/>
-              <a:t>18/06/2025</a:t>
+              <a:t>26/06/2025</a:t>
             </a:fld>
             <a:endParaRPr lang="fr-FR"/>
           </a:p>
@@ -866,7 +884,7 @@
           <a:p>
             <a:fld id="{EB1168E7-864F-4B4A-9973-7F04440BDBE7}" type="datetimeFigureOut">
               <a:rPr lang="fr-FR" smtClean="0"/>
-              <a:t>18/06/2025</a:t>
+              <a:t>26/06/2025</a:t>
             </a:fld>
             <a:endParaRPr lang="fr-FR"/>
           </a:p>
@@ -1142,7 +1160,7 @@
           <a:p>
             <a:fld id="{EB1168E7-864F-4B4A-9973-7F04440BDBE7}" type="datetimeFigureOut">
               <a:rPr lang="fr-FR" smtClean="0"/>
-              <a:t>18/06/2025</a:t>
+              <a:t>26/06/2025</a:t>
             </a:fld>
             <a:endParaRPr lang="fr-FR"/>
           </a:p>
@@ -1410,7 +1428,7 @@
           <a:p>
             <a:fld id="{EB1168E7-864F-4B4A-9973-7F04440BDBE7}" type="datetimeFigureOut">
               <a:rPr lang="fr-FR" smtClean="0"/>
-              <a:t>18/06/2025</a:t>
+              <a:t>26/06/2025</a:t>
             </a:fld>
             <a:endParaRPr lang="fr-FR"/>
           </a:p>
@@ -1825,7 +1843,7 @@
           <a:p>
             <a:fld id="{EB1168E7-864F-4B4A-9973-7F04440BDBE7}" type="datetimeFigureOut">
               <a:rPr lang="fr-FR" smtClean="0"/>
-              <a:t>18/06/2025</a:t>
+              <a:t>26/06/2025</a:t>
             </a:fld>
             <a:endParaRPr lang="fr-FR"/>
           </a:p>
@@ -1967,7 +1985,7 @@
           <a:p>
             <a:fld id="{EB1168E7-864F-4B4A-9973-7F04440BDBE7}" type="datetimeFigureOut">
               <a:rPr lang="fr-FR" smtClean="0"/>
-              <a:t>18/06/2025</a:t>
+              <a:t>26/06/2025</a:t>
             </a:fld>
             <a:endParaRPr lang="fr-FR"/>
           </a:p>
@@ -2080,7 +2098,7 @@
           <a:p>
             <a:fld id="{EB1168E7-864F-4B4A-9973-7F04440BDBE7}" type="datetimeFigureOut">
               <a:rPr lang="fr-FR" smtClean="0"/>
-              <a:t>18/06/2025</a:t>
+              <a:t>26/06/2025</a:t>
             </a:fld>
             <a:endParaRPr lang="fr-FR"/>
           </a:p>
@@ -2393,7 +2411,7 @@
           <a:p>
             <a:fld id="{EB1168E7-864F-4B4A-9973-7F04440BDBE7}" type="datetimeFigureOut">
               <a:rPr lang="fr-FR" smtClean="0"/>
-              <a:t>18/06/2025</a:t>
+              <a:t>26/06/2025</a:t>
             </a:fld>
             <a:endParaRPr lang="fr-FR"/>
           </a:p>
@@ -2682,7 +2700,7 @@
           <a:p>
             <a:fld id="{EB1168E7-864F-4B4A-9973-7F04440BDBE7}" type="datetimeFigureOut">
               <a:rPr lang="fr-FR" smtClean="0"/>
-              <a:t>18/06/2025</a:t>
+              <a:t>26/06/2025</a:t>
             </a:fld>
             <a:endParaRPr lang="fr-FR"/>
           </a:p>
@@ -2925,7 +2943,7 @@
           <a:p>
             <a:fld id="{EB1168E7-864F-4B4A-9973-7F04440BDBE7}" type="datetimeFigureOut">
               <a:rPr lang="fr-FR" smtClean="0"/>
-              <a:t>18/06/2025</a:t>
+              <a:t>26/06/2025</a:t>
             </a:fld>
             <a:endParaRPr lang="fr-FR"/>
           </a:p>
@@ -3364,9 +3382,14 @@
           <a:lstStyle/>
           <a:p>
             <a:r>
-              <a:rPr lang="fr-FR"/>
+              <a:rPr lang="fr-FR" dirty="0"/>
+              <a:t>Migros Tycoon – Mein Roblox-</a:t>
+            </a:r>
+            <a:r>
+              <a:rPr lang="fr-FR" dirty="0" err="1"/>
               <a:t>Abschlussprojekt</a:t>
             </a:r>
+            <a:endParaRPr lang="fr-FR" dirty="0"/>
           </a:p>
         </p:txBody>
       </p:sp>
@@ -3391,6 +3414,197 @@
           <a:bodyPr/>
           <a:lstStyle/>
           <a:p>
+            <a:r>
+              <a:rPr lang="de-DE" dirty="0"/>
+              <a:t>Finn Domeisen</a:t>
+            </a:r>
+            <a:br>
+              <a:rPr lang="de-DE" dirty="0"/>
+            </a:br>
+            <a:r>
+              <a:rPr lang="de-DE" dirty="0"/>
+              <a:t>API-2, Abschlussprojekt 2025</a:t>
+            </a:r>
+          </a:p>
+        </p:txBody>
+      </p:sp>
+      <p:pic>
+        <p:nvPicPr>
+          <p:cNvPr id="5" name="Grafik 4" descr="Ein Bild, das Schrift, Text, Logo, Grafiken enthält.&#10;&#10;KI-generierte Inhalte können fehlerhaft sein.">
+            <a:extLst>
+              <a:ext uri="{FF2B5EF4-FFF2-40B4-BE49-F238E27FC236}">
+                <a16:creationId xmlns:a16="http://schemas.microsoft.com/office/drawing/2014/main" id="{383C85D7-B4D1-846F-1F8F-7272F650D6D1}"/>
+              </a:ext>
+            </a:extLst>
+          </p:cNvPr>
+          <p:cNvPicPr>
+            <a:picLocks noChangeAspect="1"/>
+          </p:cNvPicPr>
+          <p:nvPr/>
+        </p:nvPicPr>
+        <p:blipFill>
+          <a:blip r:embed="rId2">
+            <a:extLst>
+              <a:ext uri="{28A0092B-C50C-407E-A947-70E740481C1C}">
+                <a14:useLocalDpi xmlns:a14="http://schemas.microsoft.com/office/drawing/2010/main" val="0"/>
+              </a:ext>
+            </a:extLst>
+          </a:blip>
+          <a:stretch>
+            <a:fillRect/>
+          </a:stretch>
+        </p:blipFill>
+        <p:spPr>
+          <a:xfrm>
+            <a:off x="8912210" y="0"/>
+            <a:ext cx="3279790" cy="1844882"/>
+          </a:xfrm>
+          <a:prstGeom prst="rect">
+            <a:avLst/>
+          </a:prstGeom>
+        </p:spPr>
+      </p:pic>
+      <p:pic>
+        <p:nvPicPr>
+          <p:cNvPr id="7" name="Grafik 6" descr="Ein Bild, das Grafiken, orange, Schrift, Design enthält.&#10;&#10;KI-generierte Inhalte können fehlerhaft sein.">
+            <a:extLst>
+              <a:ext uri="{FF2B5EF4-FFF2-40B4-BE49-F238E27FC236}">
+                <a16:creationId xmlns:a16="http://schemas.microsoft.com/office/drawing/2014/main" id="{0C803ACC-68C7-1E3E-31F0-7BB03A379194}"/>
+              </a:ext>
+            </a:extLst>
+          </p:cNvPr>
+          <p:cNvPicPr>
+            <a:picLocks noChangeAspect="1"/>
+          </p:cNvPicPr>
+          <p:nvPr/>
+        </p:nvPicPr>
+        <p:blipFill>
+          <a:blip r:embed="rId3">
+            <a:extLst>
+              <a:ext uri="{28A0092B-C50C-407E-A947-70E740481C1C}">
+                <a14:useLocalDpi xmlns:a14="http://schemas.microsoft.com/office/drawing/2010/main" val="0"/>
+              </a:ext>
+            </a:extLst>
+          </a:blip>
+          <a:stretch>
+            <a:fillRect/>
+          </a:stretch>
+        </p:blipFill>
+        <p:spPr>
+          <a:xfrm>
+            <a:off x="2738740" y="1792001"/>
+            <a:ext cx="747117" cy="747117"/>
+          </a:xfrm>
+          <a:prstGeom prst="rect">
+            <a:avLst/>
+          </a:prstGeom>
+        </p:spPr>
+      </p:pic>
+      <p:pic>
+        <p:nvPicPr>
+          <p:cNvPr id="1026" name="Picture 2">
+            <a:extLst>
+              <a:ext uri="{FF2B5EF4-FFF2-40B4-BE49-F238E27FC236}">
+                <a16:creationId xmlns:a16="http://schemas.microsoft.com/office/drawing/2014/main" id="{674A372C-8703-3C4D-A0BF-33CE9FE1AC75}"/>
+              </a:ext>
+            </a:extLst>
+          </p:cNvPr>
+          <p:cNvPicPr>
+            <a:picLocks noChangeAspect="1" noChangeArrowheads="1"/>
+          </p:cNvPicPr>
+          <p:nvPr/>
+        </p:nvPicPr>
+        <p:blipFill>
+          <a:blip r:embed="rId4">
+            <a:extLst>
+              <a:ext uri="{28A0092B-C50C-407E-A947-70E740481C1C}">
+                <a14:useLocalDpi xmlns:a14="http://schemas.microsoft.com/office/drawing/2010/main" val="0"/>
+              </a:ext>
+            </a:extLst>
+          </a:blip>
+          <a:srcRect/>
+          <a:stretch>
+            <a:fillRect/>
+          </a:stretch>
+        </p:blipFill>
+        <p:spPr bwMode="auto">
+          <a:xfrm>
+            <a:off x="0" y="0"/>
+            <a:ext cx="1905000" cy="1905000"/>
+          </a:xfrm>
+          <a:prstGeom prst="rect">
+            <a:avLst/>
+          </a:prstGeom>
+          <a:noFill/>
+          <a:extLst>
+            <a:ext uri="{909E8E84-426E-40DD-AFC4-6F175D3DCCD1}">
+              <a14:hiddenFill xmlns:a14="http://schemas.microsoft.com/office/drawing/2010/main">
+                <a:solidFill>
+                  <a:srgbClr val="FFFFFF"/>
+                </a:solidFill>
+              </a14:hiddenFill>
+            </a:ext>
+          </a:extLst>
+        </p:spPr>
+      </p:pic>
+      <p:sp>
+        <p:nvSpPr>
+          <p:cNvPr id="8" name="Rechteck 7">
+            <a:extLst>
+              <a:ext uri="{FF2B5EF4-FFF2-40B4-BE49-F238E27FC236}">
+                <a16:creationId xmlns:a16="http://schemas.microsoft.com/office/drawing/2014/main" id="{ED7BA606-7D31-E86D-0E0D-8C5B4F8EBB77}"/>
+              </a:ext>
+            </a:extLst>
+          </p:cNvPr>
+          <p:cNvSpPr/>
+          <p:nvPr/>
+        </p:nvSpPr>
+        <p:spPr>
+          <a:xfrm>
+            <a:off x="-135467" y="6016978"/>
+            <a:ext cx="12485511" cy="1004711"/>
+          </a:xfrm>
+          <a:prstGeom prst="rect">
+            <a:avLst/>
+          </a:prstGeom>
+          <a:gradFill flip="none" rotWithShape="1">
+            <a:gsLst>
+              <a:gs pos="0">
+                <a:schemeClr val="bg2">
+                  <a:lumMod val="10000"/>
+                </a:schemeClr>
+              </a:gs>
+              <a:gs pos="100000">
+                <a:schemeClr val="accent2">
+                  <a:lumMod val="75000"/>
+                </a:schemeClr>
+              </a:gs>
+            </a:gsLst>
+            <a:lin ang="0" scaled="1"/>
+            <a:tileRect/>
+          </a:gradFill>
+        </p:spPr>
+        <p:style>
+          <a:lnRef idx="2">
+            <a:schemeClr val="dk1">
+              <a:shade val="15000"/>
+            </a:schemeClr>
+          </a:lnRef>
+          <a:fillRef idx="1">
+            <a:schemeClr val="dk1"/>
+          </a:fillRef>
+          <a:effectRef idx="0">
+            <a:schemeClr val="dk1"/>
+          </a:effectRef>
+          <a:fontRef idx="minor">
+            <a:schemeClr val="lt1"/>
+          </a:fontRef>
+        </p:style>
+        <p:txBody>
+          <a:bodyPr rtlCol="0" anchor="ctr"/>
+          <a:lstStyle/>
+          <a:p>
+            <a:pPr algn="ctr"/>
             <a:endParaRPr lang="fr-FR"/>
           </a:p>
         </p:txBody>
@@ -3399,6 +3613,1656 @@
     <p:extLst>
       <p:ext uri="{BB962C8B-B14F-4D97-AF65-F5344CB8AC3E}">
         <p14:creationId xmlns:p14="http://schemas.microsoft.com/office/powerpoint/2010/main" val="2774053228"/>
+      </p:ext>
+    </p:extLst>
+  </p:cSld>
+  <p:clrMapOvr>
+    <a:masterClrMapping/>
+  </p:clrMapOvr>
+</p:sld>
+</file>
+
+<file path=ppt/slides/slide10.xml><?xml version="1.0" encoding="utf-8"?>
+<p:sld xmlns:a="http://schemas.openxmlformats.org/drawingml/2006/main" xmlns:r="http://schemas.openxmlformats.org/officeDocument/2006/relationships" xmlns:p="http://schemas.openxmlformats.org/presentationml/2006/main">
+  <p:cSld>
+    <p:spTree>
+      <p:nvGrpSpPr>
+        <p:cNvPr id="1" name=""/>
+        <p:cNvGrpSpPr/>
+        <p:nvPr/>
+      </p:nvGrpSpPr>
+      <p:grpSpPr>
+        <a:xfrm>
+          <a:off x="0" y="0"/>
+          <a:ext cx="0" cy="0"/>
+          <a:chOff x="0" y="0"/>
+          <a:chExt cx="0" cy="0"/>
+        </a:xfrm>
+      </p:grpSpPr>
+      <p:sp>
+        <p:nvSpPr>
+          <p:cNvPr id="2" name="Titel 1">
+            <a:extLst>
+              <a:ext uri="{FF2B5EF4-FFF2-40B4-BE49-F238E27FC236}">
+                <a16:creationId xmlns:a16="http://schemas.microsoft.com/office/drawing/2014/main" id="{C7273E80-5E55-5EBB-4906-B3ECCBE32100}"/>
+              </a:ext>
+            </a:extLst>
+          </p:cNvPr>
+          <p:cNvSpPr>
+            <a:spLocks noGrp="1"/>
+          </p:cNvSpPr>
+          <p:nvPr>
+            <p:ph type="title"/>
+          </p:nvPr>
+        </p:nvSpPr>
+        <p:spPr/>
+        <p:txBody>
+          <a:bodyPr/>
+          <a:lstStyle/>
+          <a:p>
+            <a:r>
+              <a:rPr lang="fr-FR" dirty="0" err="1"/>
+              <a:t>Was</a:t>
+            </a:r>
+            <a:r>
+              <a:rPr lang="fr-FR" dirty="0"/>
+              <a:t> </a:t>
+            </a:r>
+            <a:r>
+              <a:rPr lang="fr-FR" dirty="0" err="1"/>
+              <a:t>lief</a:t>
+            </a:r>
+            <a:r>
+              <a:rPr lang="fr-FR" dirty="0"/>
+              <a:t> </a:t>
+            </a:r>
+            <a:r>
+              <a:rPr lang="fr-FR" dirty="0" err="1"/>
+              <a:t>gut</a:t>
+            </a:r>
+            <a:r>
+              <a:rPr lang="fr-FR" dirty="0"/>
+              <a:t>?</a:t>
+            </a:r>
+          </a:p>
+        </p:txBody>
+      </p:sp>
+      <p:sp>
+        <p:nvSpPr>
+          <p:cNvPr id="3" name="Inhaltsplatzhalter 2">
+            <a:extLst>
+              <a:ext uri="{FF2B5EF4-FFF2-40B4-BE49-F238E27FC236}">
+                <a16:creationId xmlns:a16="http://schemas.microsoft.com/office/drawing/2014/main" id="{D543A8FB-CE3A-61CD-420F-4BD01E607103}"/>
+              </a:ext>
+            </a:extLst>
+          </p:cNvPr>
+          <p:cNvSpPr>
+            <a:spLocks noGrp="1"/>
+          </p:cNvSpPr>
+          <p:nvPr>
+            <p:ph idx="1"/>
+          </p:nvPr>
+        </p:nvSpPr>
+        <p:spPr/>
+        <p:txBody>
+          <a:bodyPr/>
+          <a:lstStyle/>
+          <a:p>
+            <a:r>
+              <a:rPr lang="de-DE" b="1" dirty="0"/>
+              <a:t>Positiv:</a:t>
+            </a:r>
+            <a:endParaRPr lang="de-DE" dirty="0"/>
+          </a:p>
+          <a:p>
+            <a:r>
+              <a:rPr lang="de-DE" dirty="0"/>
+              <a:t>Lua-Grundlagen schnell gelernt</a:t>
+            </a:r>
+          </a:p>
+          <a:p>
+            <a:r>
+              <a:rPr lang="de-DE" dirty="0"/>
+              <a:t>ChatGPT als permanente Hilfe genutzt</a:t>
+            </a:r>
+          </a:p>
+          <a:p>
+            <a:r>
+              <a:rPr lang="de-DE" dirty="0"/>
+              <a:t>Alles funktioniert technisch</a:t>
+            </a:r>
+          </a:p>
+          <a:p>
+            <a:r>
+              <a:rPr lang="de-DE" dirty="0"/>
+              <a:t>UI ist sauber und responsive</a:t>
+            </a:r>
+          </a:p>
+          <a:p>
+            <a:r>
+              <a:rPr lang="de-DE" dirty="0"/>
+              <a:t>Projektstruktur auf GitHub sehr sauber</a:t>
+            </a:r>
+          </a:p>
+          <a:p>
+            <a:endParaRPr lang="fr-FR" dirty="0"/>
+          </a:p>
+        </p:txBody>
+      </p:sp>
+    </p:spTree>
+    <p:extLst>
+      <p:ext uri="{BB962C8B-B14F-4D97-AF65-F5344CB8AC3E}">
+        <p14:creationId xmlns:p14="http://schemas.microsoft.com/office/powerpoint/2010/main" val="1560177133"/>
+      </p:ext>
+    </p:extLst>
+  </p:cSld>
+  <p:clrMapOvr>
+    <a:masterClrMapping/>
+  </p:clrMapOvr>
+</p:sld>
+</file>
+
+<file path=ppt/slides/slide11.xml><?xml version="1.0" encoding="utf-8"?>
+<p:sld xmlns:a="http://schemas.openxmlformats.org/drawingml/2006/main" xmlns:r="http://schemas.openxmlformats.org/officeDocument/2006/relationships" xmlns:p="http://schemas.openxmlformats.org/presentationml/2006/main">
+  <p:cSld>
+    <p:spTree>
+      <p:nvGrpSpPr>
+        <p:cNvPr id="1" name=""/>
+        <p:cNvGrpSpPr/>
+        <p:nvPr/>
+      </p:nvGrpSpPr>
+      <p:grpSpPr>
+        <a:xfrm>
+          <a:off x="0" y="0"/>
+          <a:ext cx="0" cy="0"/>
+          <a:chOff x="0" y="0"/>
+          <a:chExt cx="0" cy="0"/>
+        </a:xfrm>
+      </p:grpSpPr>
+      <p:sp>
+        <p:nvSpPr>
+          <p:cNvPr id="2" name="Titel 1">
+            <a:extLst>
+              <a:ext uri="{FF2B5EF4-FFF2-40B4-BE49-F238E27FC236}">
+                <a16:creationId xmlns:a16="http://schemas.microsoft.com/office/drawing/2014/main" id="{2D907250-8DA8-5731-5EAE-CDAC4E519CD7}"/>
+              </a:ext>
+            </a:extLst>
+          </p:cNvPr>
+          <p:cNvSpPr>
+            <a:spLocks noGrp="1"/>
+          </p:cNvSpPr>
+          <p:nvPr>
+            <p:ph type="title"/>
+          </p:nvPr>
+        </p:nvSpPr>
+        <p:spPr/>
+        <p:txBody>
+          <a:bodyPr/>
+          <a:lstStyle/>
+          <a:p>
+            <a:r>
+              <a:rPr lang="fr-FR" dirty="0" err="1"/>
+              <a:t>Was</a:t>
+            </a:r>
+            <a:r>
+              <a:rPr lang="fr-FR" dirty="0"/>
+              <a:t> </a:t>
+            </a:r>
+            <a:r>
+              <a:rPr lang="fr-FR" dirty="0" err="1"/>
+              <a:t>lief</a:t>
+            </a:r>
+            <a:r>
+              <a:rPr lang="fr-FR" dirty="0"/>
+              <a:t> </a:t>
+            </a:r>
+            <a:r>
+              <a:rPr lang="fr-FR" dirty="0" err="1"/>
+              <a:t>schlecht</a:t>
+            </a:r>
+            <a:r>
+              <a:rPr lang="fr-FR" dirty="0"/>
+              <a:t>?</a:t>
+            </a:r>
+          </a:p>
+        </p:txBody>
+      </p:sp>
+      <p:sp>
+        <p:nvSpPr>
+          <p:cNvPr id="3" name="Inhaltsplatzhalter 2">
+            <a:extLst>
+              <a:ext uri="{FF2B5EF4-FFF2-40B4-BE49-F238E27FC236}">
+                <a16:creationId xmlns:a16="http://schemas.microsoft.com/office/drawing/2014/main" id="{B5665CA2-EFFE-72E2-D579-9107F0A48304}"/>
+              </a:ext>
+            </a:extLst>
+          </p:cNvPr>
+          <p:cNvSpPr>
+            <a:spLocks noGrp="1"/>
+          </p:cNvSpPr>
+          <p:nvPr>
+            <p:ph idx="1"/>
+          </p:nvPr>
+        </p:nvSpPr>
+        <p:spPr/>
+        <p:txBody>
+          <a:bodyPr/>
+          <a:lstStyle/>
+          <a:p>
+            <a:r>
+              <a:rPr lang="de-CH" b="1" dirty="0"/>
+              <a:t>Herausforderungen:</a:t>
+            </a:r>
+            <a:endParaRPr lang="de-CH" dirty="0"/>
+          </a:p>
+          <a:p>
+            <a:r>
+              <a:rPr lang="de-CH" dirty="0"/>
+              <a:t>Anfangs war Lua-Syntax verwirrend</a:t>
+            </a:r>
+          </a:p>
+          <a:p>
+            <a:r>
+              <a:rPr lang="de-CH" dirty="0"/>
+              <a:t>Debugging bei Collector/</a:t>
+            </a:r>
+            <a:r>
+              <a:rPr lang="de-CH" dirty="0" err="1"/>
+              <a:t>Conveyor</a:t>
+            </a:r>
+            <a:r>
+              <a:rPr lang="de-CH" dirty="0"/>
+              <a:t> war aufwändig</a:t>
+            </a:r>
+          </a:p>
+          <a:p>
+            <a:r>
+              <a:rPr lang="de-CH" dirty="0"/>
+              <a:t>Die Reihenfolge der Buttons war </a:t>
+            </a:r>
+            <a:r>
+              <a:rPr lang="de-CH" dirty="0" err="1"/>
+              <a:t>tricky</a:t>
+            </a:r>
+            <a:endParaRPr lang="de-CH" dirty="0"/>
+          </a:p>
+          <a:p>
+            <a:r>
+              <a:rPr lang="de-CH" dirty="0"/>
+              <a:t>Modell-Importe brauchten manchmal viele Versuche</a:t>
+            </a:r>
+          </a:p>
+          <a:p>
+            <a:r>
+              <a:rPr lang="de-CH" dirty="0"/>
+              <a:t>Dokumentation wurde teilweise nachträglich erstellt</a:t>
+            </a:r>
+          </a:p>
+          <a:p>
+            <a:endParaRPr lang="fr-FR" dirty="0"/>
+          </a:p>
+        </p:txBody>
+      </p:sp>
+    </p:spTree>
+    <p:extLst>
+      <p:ext uri="{BB962C8B-B14F-4D97-AF65-F5344CB8AC3E}">
+        <p14:creationId xmlns:p14="http://schemas.microsoft.com/office/powerpoint/2010/main" val="3052049016"/>
+      </p:ext>
+    </p:extLst>
+  </p:cSld>
+  <p:clrMapOvr>
+    <a:masterClrMapping/>
+  </p:clrMapOvr>
+</p:sld>
+</file>
+
+<file path=ppt/slides/slide12.xml><?xml version="1.0" encoding="utf-8"?>
+<p:sld xmlns:a="http://schemas.openxmlformats.org/drawingml/2006/main" xmlns:r="http://schemas.openxmlformats.org/officeDocument/2006/relationships" xmlns:p="http://schemas.openxmlformats.org/presentationml/2006/main">
+  <p:cSld>
+    <p:spTree>
+      <p:nvGrpSpPr>
+        <p:cNvPr id="1" name=""/>
+        <p:cNvGrpSpPr/>
+        <p:nvPr/>
+      </p:nvGrpSpPr>
+      <p:grpSpPr>
+        <a:xfrm>
+          <a:off x="0" y="0"/>
+          <a:ext cx="0" cy="0"/>
+          <a:chOff x="0" y="0"/>
+          <a:chExt cx="0" cy="0"/>
+        </a:xfrm>
+      </p:grpSpPr>
+      <p:sp>
+        <p:nvSpPr>
+          <p:cNvPr id="2" name="Titel 1">
+            <a:extLst>
+              <a:ext uri="{FF2B5EF4-FFF2-40B4-BE49-F238E27FC236}">
+                <a16:creationId xmlns:a16="http://schemas.microsoft.com/office/drawing/2014/main" id="{CF81B8E8-ED33-1815-9526-81420AEFCCAF}"/>
+              </a:ext>
+            </a:extLst>
+          </p:cNvPr>
+          <p:cNvSpPr>
+            <a:spLocks noGrp="1"/>
+          </p:cNvSpPr>
+          <p:nvPr>
+            <p:ph type="title"/>
+          </p:nvPr>
+        </p:nvSpPr>
+        <p:spPr/>
+        <p:txBody>
+          <a:bodyPr/>
+          <a:lstStyle/>
+          <a:p>
+            <a:r>
+              <a:rPr lang="fr-FR" dirty="0" err="1"/>
+              <a:t>Fazit</a:t>
+            </a:r>
+            <a:endParaRPr lang="fr-FR" dirty="0"/>
+          </a:p>
+        </p:txBody>
+      </p:sp>
+      <p:sp>
+        <p:nvSpPr>
+          <p:cNvPr id="3" name="Inhaltsplatzhalter 2">
+            <a:extLst>
+              <a:ext uri="{FF2B5EF4-FFF2-40B4-BE49-F238E27FC236}">
+                <a16:creationId xmlns:a16="http://schemas.microsoft.com/office/drawing/2014/main" id="{F97C5680-C28A-F02F-511D-C4CF749EF364}"/>
+              </a:ext>
+            </a:extLst>
+          </p:cNvPr>
+          <p:cNvSpPr>
+            <a:spLocks noGrp="1"/>
+          </p:cNvSpPr>
+          <p:nvPr>
+            <p:ph idx="1"/>
+          </p:nvPr>
+        </p:nvSpPr>
+        <p:spPr/>
+        <p:txBody>
+          <a:bodyPr/>
+          <a:lstStyle/>
+          <a:p>
+            <a:r>
+              <a:rPr lang="de-DE" dirty="0"/>
+              <a:t>Ich habe extrem viel gelernt (Lua, Roblox Studio, Strukturierung)</a:t>
+            </a:r>
+          </a:p>
+          <a:p>
+            <a:r>
+              <a:rPr lang="de-DE" dirty="0"/>
+              <a:t>Kreativität und Planung war entscheidend</a:t>
+            </a:r>
+          </a:p>
+          <a:p>
+            <a:r>
+              <a:rPr lang="de-DE" dirty="0"/>
+              <a:t>Das Spiel ist spielbar, unterhaltsam und individuell</a:t>
+            </a:r>
+          </a:p>
+          <a:p>
+            <a:r>
+              <a:rPr lang="de-DE" dirty="0"/>
+              <a:t>Ich bin stolz auf die technische Umsetzung &amp; Designs</a:t>
+            </a:r>
+          </a:p>
+          <a:p>
+            <a:r>
+              <a:rPr lang="de-DE" dirty="0"/>
+              <a:t>Würde es wieder so machen und evtl. noch weiterentwickeln</a:t>
+            </a:r>
+          </a:p>
+          <a:p>
+            <a:endParaRPr lang="fr-FR" dirty="0"/>
+          </a:p>
+        </p:txBody>
+      </p:sp>
+    </p:spTree>
+    <p:extLst>
+      <p:ext uri="{BB962C8B-B14F-4D97-AF65-F5344CB8AC3E}">
+        <p14:creationId xmlns:p14="http://schemas.microsoft.com/office/powerpoint/2010/main" val="4181409638"/>
+      </p:ext>
+    </p:extLst>
+  </p:cSld>
+  <p:clrMapOvr>
+    <a:masterClrMapping/>
+  </p:clrMapOvr>
+</p:sld>
+</file>
+
+<file path=ppt/slides/slide13.xml><?xml version="1.0" encoding="utf-8"?>
+<p:sld xmlns:a="http://schemas.openxmlformats.org/drawingml/2006/main" xmlns:r="http://schemas.openxmlformats.org/officeDocument/2006/relationships" xmlns:p="http://schemas.openxmlformats.org/presentationml/2006/main">
+  <p:cSld>
+    <p:spTree>
+      <p:nvGrpSpPr>
+        <p:cNvPr id="1" name=""/>
+        <p:cNvGrpSpPr/>
+        <p:nvPr/>
+      </p:nvGrpSpPr>
+      <p:grpSpPr>
+        <a:xfrm>
+          <a:off x="0" y="0"/>
+          <a:ext cx="0" cy="0"/>
+          <a:chOff x="0" y="0"/>
+          <a:chExt cx="0" cy="0"/>
+        </a:xfrm>
+      </p:grpSpPr>
+      <p:sp>
+        <p:nvSpPr>
+          <p:cNvPr id="2" name="Titel 1">
+            <a:extLst>
+              <a:ext uri="{FF2B5EF4-FFF2-40B4-BE49-F238E27FC236}">
+                <a16:creationId xmlns:a16="http://schemas.microsoft.com/office/drawing/2014/main" id="{12EB8F2F-2F9D-CF15-39F4-58D7C24BB666}"/>
+              </a:ext>
+            </a:extLst>
+          </p:cNvPr>
+          <p:cNvSpPr>
+            <a:spLocks noGrp="1"/>
+          </p:cNvSpPr>
+          <p:nvPr>
+            <p:ph type="title"/>
+          </p:nvPr>
+        </p:nvSpPr>
+        <p:spPr/>
+        <p:txBody>
+          <a:bodyPr/>
+          <a:lstStyle/>
+          <a:p>
+            <a:r>
+              <a:rPr lang="fr-FR" dirty="0" err="1"/>
+              <a:t>Quellenverzeichnis</a:t>
+            </a:r>
+            <a:r>
+              <a:rPr lang="fr-FR" dirty="0"/>
+              <a:t> / </a:t>
+            </a:r>
+            <a:r>
+              <a:rPr lang="fr-FR" dirty="0" err="1"/>
+              <a:t>Abspann</a:t>
+            </a:r>
+            <a:endParaRPr lang="fr-FR" dirty="0"/>
+          </a:p>
+        </p:txBody>
+      </p:sp>
+      <p:sp>
+        <p:nvSpPr>
+          <p:cNvPr id="3" name="Inhaltsplatzhalter 2">
+            <a:extLst>
+              <a:ext uri="{FF2B5EF4-FFF2-40B4-BE49-F238E27FC236}">
+                <a16:creationId xmlns:a16="http://schemas.microsoft.com/office/drawing/2014/main" id="{B3D64802-55D8-95D6-CEAD-B8324E045345}"/>
+              </a:ext>
+            </a:extLst>
+          </p:cNvPr>
+          <p:cNvSpPr>
+            <a:spLocks noGrp="1"/>
+          </p:cNvSpPr>
+          <p:nvPr>
+            <p:ph idx="1"/>
+          </p:nvPr>
+        </p:nvSpPr>
+        <p:spPr/>
+        <p:txBody>
+          <a:bodyPr/>
+          <a:lstStyle/>
+          <a:p>
+            <a:r>
+              <a:rPr lang="de-CH" dirty="0"/>
+              <a:t>Roblox Developer Hub (developer.roblox.com)</a:t>
+            </a:r>
+          </a:p>
+          <a:p>
+            <a:r>
+              <a:rPr lang="de-CH" dirty="0"/>
+              <a:t>W3Schools Lua Basics</a:t>
+            </a:r>
+          </a:p>
+          <a:p>
+            <a:r>
+              <a:rPr lang="de-CH" dirty="0"/>
+              <a:t>ChatGPT (OpenAI)</a:t>
+            </a:r>
+          </a:p>
+          <a:p>
+            <a:r>
+              <a:rPr lang="de-CH" dirty="0"/>
+              <a:t>YouTube Tutorials: </a:t>
+            </a:r>
+            <a:r>
+              <a:rPr lang="de-CH" dirty="0" err="1"/>
+              <a:t>AlvinBlox</a:t>
+            </a:r>
+            <a:r>
+              <a:rPr lang="de-CH" dirty="0"/>
+              <a:t>, </a:t>
+            </a:r>
+            <a:r>
+              <a:rPr lang="de-CH" dirty="0" err="1"/>
+              <a:t>TheDevKing</a:t>
+            </a:r>
+            <a:endParaRPr lang="de-CH" dirty="0"/>
+          </a:p>
+          <a:p>
+            <a:r>
+              <a:rPr lang="de-CH" dirty="0"/>
+              <a:t>GitHub Projekt: github.com/</a:t>
+            </a:r>
+            <a:r>
+              <a:rPr lang="de-CH" dirty="0" err="1"/>
+              <a:t>finndomeisen</a:t>
+            </a:r>
+            <a:r>
+              <a:rPr lang="de-CH" dirty="0"/>
+              <a:t>/Abschlussprojekt_2025_API-2_findom_Board_Migros-Tycoon</a:t>
+            </a:r>
+          </a:p>
+          <a:p>
+            <a:r>
+              <a:rPr lang="de-CH" dirty="0"/>
+              <a:t>AI-Tools für Bild-zu-3D: Meshy.ai, Magnific.ai</a:t>
+            </a:r>
+          </a:p>
+          <a:p>
+            <a:r>
+              <a:rPr lang="de-CH" dirty="0"/>
+              <a:t>Soundquellen: freesound.org / eigene Aufnahmen</a:t>
+            </a:r>
+          </a:p>
+          <a:p>
+            <a:endParaRPr lang="fr-FR" dirty="0"/>
+          </a:p>
+        </p:txBody>
+      </p:sp>
+    </p:spTree>
+    <p:extLst>
+      <p:ext uri="{BB962C8B-B14F-4D97-AF65-F5344CB8AC3E}">
+        <p14:creationId xmlns:p14="http://schemas.microsoft.com/office/powerpoint/2010/main" val="3589150243"/>
+      </p:ext>
+    </p:extLst>
+  </p:cSld>
+  <p:clrMapOvr>
+    <a:masterClrMapping/>
+  </p:clrMapOvr>
+</p:sld>
+</file>
+
+<file path=ppt/slides/slide14.xml><?xml version="1.0" encoding="utf-8"?>
+<p:sld xmlns:a="http://schemas.openxmlformats.org/drawingml/2006/main" xmlns:r="http://schemas.openxmlformats.org/officeDocument/2006/relationships" xmlns:p="http://schemas.openxmlformats.org/presentationml/2006/main">
+  <p:cSld>
+    <p:spTree>
+      <p:nvGrpSpPr>
+        <p:cNvPr id="1" name=""/>
+        <p:cNvGrpSpPr/>
+        <p:nvPr/>
+      </p:nvGrpSpPr>
+      <p:grpSpPr>
+        <a:xfrm>
+          <a:off x="0" y="0"/>
+          <a:ext cx="0" cy="0"/>
+          <a:chOff x="0" y="0"/>
+          <a:chExt cx="0" cy="0"/>
+        </a:xfrm>
+      </p:grpSpPr>
+      <p:sp>
+        <p:nvSpPr>
+          <p:cNvPr id="2" name="Titel 1">
+            <a:extLst>
+              <a:ext uri="{FF2B5EF4-FFF2-40B4-BE49-F238E27FC236}">
+                <a16:creationId xmlns:a16="http://schemas.microsoft.com/office/drawing/2014/main" id="{1D57CBA5-4292-A389-888A-6C8CB211A0EF}"/>
+              </a:ext>
+            </a:extLst>
+          </p:cNvPr>
+          <p:cNvSpPr>
+            <a:spLocks noGrp="1"/>
+          </p:cNvSpPr>
+          <p:nvPr>
+            <p:ph type="title"/>
+          </p:nvPr>
+        </p:nvSpPr>
+        <p:spPr/>
+        <p:txBody>
+          <a:bodyPr/>
+          <a:lstStyle/>
+          <a:p>
+            <a:r>
+              <a:rPr lang="de-DE" dirty="0"/>
+              <a:t>Vielen Dank für die Aufmerksamkeit!</a:t>
+            </a:r>
+            <a:endParaRPr lang="fr-FR" dirty="0"/>
+          </a:p>
+        </p:txBody>
+      </p:sp>
+      <p:sp>
+        <p:nvSpPr>
+          <p:cNvPr id="3" name="Inhaltsplatzhalter 2">
+            <a:extLst>
+              <a:ext uri="{FF2B5EF4-FFF2-40B4-BE49-F238E27FC236}">
+                <a16:creationId xmlns:a16="http://schemas.microsoft.com/office/drawing/2014/main" id="{0ED2A240-7AF0-7634-72F5-1FE0ED1C5D98}"/>
+              </a:ext>
+            </a:extLst>
+          </p:cNvPr>
+          <p:cNvSpPr>
+            <a:spLocks noGrp="1"/>
+          </p:cNvSpPr>
+          <p:nvPr>
+            <p:ph idx="1"/>
+          </p:nvPr>
+        </p:nvSpPr>
+        <p:spPr/>
+        <p:txBody>
+          <a:bodyPr/>
+          <a:lstStyle/>
+          <a:p>
+            <a:endParaRPr lang="fr-FR"/>
+          </a:p>
+        </p:txBody>
+      </p:sp>
+    </p:spTree>
+    <p:extLst>
+      <p:ext uri="{BB962C8B-B14F-4D97-AF65-F5344CB8AC3E}">
+        <p14:creationId xmlns:p14="http://schemas.microsoft.com/office/powerpoint/2010/main" val="530882139"/>
+      </p:ext>
+    </p:extLst>
+  </p:cSld>
+  <p:clrMapOvr>
+    <a:masterClrMapping/>
+  </p:clrMapOvr>
+</p:sld>
+</file>
+
+<file path=ppt/slides/slide2.xml><?xml version="1.0" encoding="utf-8"?>
+<p:sld xmlns:a="http://schemas.openxmlformats.org/drawingml/2006/main" xmlns:r="http://schemas.openxmlformats.org/officeDocument/2006/relationships" xmlns:p="http://schemas.openxmlformats.org/presentationml/2006/main">
+  <p:cSld>
+    <p:spTree>
+      <p:nvGrpSpPr>
+        <p:cNvPr id="1" name=""/>
+        <p:cNvGrpSpPr/>
+        <p:nvPr/>
+      </p:nvGrpSpPr>
+      <p:grpSpPr>
+        <a:xfrm>
+          <a:off x="0" y="0"/>
+          <a:ext cx="0" cy="0"/>
+          <a:chOff x="0" y="0"/>
+          <a:chExt cx="0" cy="0"/>
+        </a:xfrm>
+      </p:grpSpPr>
+      <p:sp>
+        <p:nvSpPr>
+          <p:cNvPr id="2" name="Titel 1">
+            <a:extLst>
+              <a:ext uri="{FF2B5EF4-FFF2-40B4-BE49-F238E27FC236}">
+                <a16:creationId xmlns:a16="http://schemas.microsoft.com/office/drawing/2014/main" id="{6FAABD7A-781D-1D4F-7DEB-4F688845B6DF}"/>
+              </a:ext>
+            </a:extLst>
+          </p:cNvPr>
+          <p:cNvSpPr>
+            <a:spLocks noGrp="1"/>
+          </p:cNvSpPr>
+          <p:nvPr>
+            <p:ph type="title"/>
+          </p:nvPr>
+        </p:nvSpPr>
+        <p:spPr/>
+        <p:txBody>
+          <a:bodyPr/>
+          <a:lstStyle/>
+          <a:p>
+            <a:endParaRPr lang="fr-FR"/>
+          </a:p>
+        </p:txBody>
+      </p:sp>
+      <p:sp>
+        <p:nvSpPr>
+          <p:cNvPr id="3" name="Inhaltsplatzhalter 2">
+            <a:extLst>
+              <a:ext uri="{FF2B5EF4-FFF2-40B4-BE49-F238E27FC236}">
+                <a16:creationId xmlns:a16="http://schemas.microsoft.com/office/drawing/2014/main" id="{0AEEBF6D-FCAB-52A3-D8F4-3D143AF7753D}"/>
+              </a:ext>
+            </a:extLst>
+          </p:cNvPr>
+          <p:cNvSpPr>
+            <a:spLocks noGrp="1"/>
+          </p:cNvSpPr>
+          <p:nvPr>
+            <p:ph idx="1"/>
+          </p:nvPr>
+        </p:nvSpPr>
+        <p:spPr/>
+        <p:txBody>
+          <a:bodyPr/>
+          <a:lstStyle/>
+          <a:p>
+            <a:endParaRPr lang="fr-FR"/>
+          </a:p>
+        </p:txBody>
+      </p:sp>
+    </p:spTree>
+    <p:extLst>
+      <p:ext uri="{BB962C8B-B14F-4D97-AF65-F5344CB8AC3E}">
+        <p14:creationId xmlns:p14="http://schemas.microsoft.com/office/powerpoint/2010/main" val="3860627060"/>
+      </p:ext>
+    </p:extLst>
+  </p:cSld>
+  <p:clrMapOvr>
+    <a:masterClrMapping/>
+  </p:clrMapOvr>
+</p:sld>
+</file>
+
+<file path=ppt/slides/slide3.xml><?xml version="1.0" encoding="utf-8"?>
+<p:sld xmlns:a="http://schemas.openxmlformats.org/drawingml/2006/main" xmlns:r="http://schemas.openxmlformats.org/officeDocument/2006/relationships" xmlns:p="http://schemas.openxmlformats.org/presentationml/2006/main">
+  <p:cSld>
+    <p:spTree>
+      <p:nvGrpSpPr>
+        <p:cNvPr id="1" name=""/>
+        <p:cNvGrpSpPr/>
+        <p:nvPr/>
+      </p:nvGrpSpPr>
+      <p:grpSpPr>
+        <a:xfrm>
+          <a:off x="0" y="0"/>
+          <a:ext cx="0" cy="0"/>
+          <a:chOff x="0" y="0"/>
+          <a:chExt cx="0" cy="0"/>
+        </a:xfrm>
+      </p:grpSpPr>
+      <p:sp>
+        <p:nvSpPr>
+          <p:cNvPr id="2" name="Titel 1">
+            <a:extLst>
+              <a:ext uri="{FF2B5EF4-FFF2-40B4-BE49-F238E27FC236}">
+                <a16:creationId xmlns:a16="http://schemas.microsoft.com/office/drawing/2014/main" id="{371C7A9F-AF85-15B3-46C7-89224C841B00}"/>
+              </a:ext>
+            </a:extLst>
+          </p:cNvPr>
+          <p:cNvSpPr>
+            <a:spLocks noGrp="1"/>
+          </p:cNvSpPr>
+          <p:nvPr>
+            <p:ph type="title"/>
+          </p:nvPr>
+        </p:nvSpPr>
+        <p:spPr/>
+        <p:txBody>
+          <a:bodyPr/>
+          <a:lstStyle/>
+          <a:p>
+            <a:r>
+              <a:rPr lang="fr-FR" dirty="0"/>
+              <a:t>Thema</a:t>
+            </a:r>
+          </a:p>
+        </p:txBody>
+      </p:sp>
+      <p:sp>
+        <p:nvSpPr>
+          <p:cNvPr id="3" name="Inhaltsplatzhalter 2">
+            <a:extLst>
+              <a:ext uri="{FF2B5EF4-FFF2-40B4-BE49-F238E27FC236}">
+                <a16:creationId xmlns:a16="http://schemas.microsoft.com/office/drawing/2014/main" id="{FFFD57AC-A137-EC85-CB98-D7115C6EDAE8}"/>
+              </a:ext>
+            </a:extLst>
+          </p:cNvPr>
+          <p:cNvSpPr>
+            <a:spLocks noGrp="1"/>
+          </p:cNvSpPr>
+          <p:nvPr>
+            <p:ph idx="1"/>
+          </p:nvPr>
+        </p:nvSpPr>
+        <p:spPr/>
+        <p:txBody>
+          <a:bodyPr/>
+          <a:lstStyle/>
+          <a:p>
+            <a:r>
+              <a:rPr lang="de-DE" b="1" dirty="0"/>
+              <a:t>Thema des Projekts</a:t>
+            </a:r>
+            <a:br>
+              <a:rPr lang="de-DE" dirty="0"/>
+            </a:br>
+            <a:r>
+              <a:rPr lang="de-DE" dirty="0"/>
+              <a:t>Entwicklung eines eigenen Roblox-Spiels, in dem man eine Migros-Filiale aufbauen kann. Es handelt sich um ein klassisches Tycoon-Spiel mit Fokus auf Gameplay, Struktur, Benutzeroberfläche und Atmosphäre.</a:t>
+            </a:r>
+          </a:p>
+          <a:p>
+            <a:endParaRPr lang="fr-FR" dirty="0"/>
+          </a:p>
+        </p:txBody>
+      </p:sp>
+    </p:spTree>
+    <p:extLst>
+      <p:ext uri="{BB962C8B-B14F-4D97-AF65-F5344CB8AC3E}">
+        <p14:creationId xmlns:p14="http://schemas.microsoft.com/office/powerpoint/2010/main" val="2705665475"/>
+      </p:ext>
+    </p:extLst>
+  </p:cSld>
+  <p:clrMapOvr>
+    <a:masterClrMapping/>
+  </p:clrMapOvr>
+</p:sld>
+</file>
+
+<file path=ppt/slides/slide4.xml><?xml version="1.0" encoding="utf-8"?>
+<p:sld xmlns:a="http://schemas.openxmlformats.org/drawingml/2006/main" xmlns:r="http://schemas.openxmlformats.org/officeDocument/2006/relationships" xmlns:p="http://schemas.openxmlformats.org/presentationml/2006/main">
+  <p:cSld>
+    <p:spTree>
+      <p:nvGrpSpPr>
+        <p:cNvPr id="1" name=""/>
+        <p:cNvGrpSpPr/>
+        <p:nvPr/>
+      </p:nvGrpSpPr>
+      <p:grpSpPr>
+        <a:xfrm>
+          <a:off x="0" y="0"/>
+          <a:ext cx="0" cy="0"/>
+          <a:chOff x="0" y="0"/>
+          <a:chExt cx="0" cy="0"/>
+        </a:xfrm>
+      </p:grpSpPr>
+      <p:sp>
+        <p:nvSpPr>
+          <p:cNvPr id="2" name="Titel 1">
+            <a:extLst>
+              <a:ext uri="{FF2B5EF4-FFF2-40B4-BE49-F238E27FC236}">
+                <a16:creationId xmlns:a16="http://schemas.microsoft.com/office/drawing/2014/main" id="{BF95271D-C46F-BB42-4806-E5CD5F8C5945}"/>
+              </a:ext>
+            </a:extLst>
+          </p:cNvPr>
+          <p:cNvSpPr>
+            <a:spLocks noGrp="1"/>
+          </p:cNvSpPr>
+          <p:nvPr>
+            <p:ph type="title"/>
+          </p:nvPr>
+        </p:nvSpPr>
+        <p:spPr/>
+        <p:txBody>
+          <a:bodyPr/>
+          <a:lstStyle/>
+          <a:p>
+            <a:r>
+              <a:rPr lang="fr-FR" dirty="0" err="1"/>
+              <a:t>Ziele</a:t>
+            </a:r>
+            <a:endParaRPr lang="fr-FR" dirty="0"/>
+          </a:p>
+        </p:txBody>
+      </p:sp>
+      <p:sp>
+        <p:nvSpPr>
+          <p:cNvPr id="3" name="Inhaltsplatzhalter 2">
+            <a:extLst>
+              <a:ext uri="{FF2B5EF4-FFF2-40B4-BE49-F238E27FC236}">
+                <a16:creationId xmlns:a16="http://schemas.microsoft.com/office/drawing/2014/main" id="{15E67D8B-18EF-C831-5665-3EC93926B3A0}"/>
+              </a:ext>
+            </a:extLst>
+          </p:cNvPr>
+          <p:cNvSpPr>
+            <a:spLocks noGrp="1"/>
+          </p:cNvSpPr>
+          <p:nvPr>
+            <p:ph idx="1"/>
+          </p:nvPr>
+        </p:nvSpPr>
+        <p:spPr/>
+        <p:txBody>
+          <a:bodyPr/>
+          <a:lstStyle/>
+          <a:p>
+            <a:r>
+              <a:rPr lang="de-CH" dirty="0"/>
+              <a:t>Ein vollständig funktionierendes Tycoon-Spiel erstellen</a:t>
+            </a:r>
+          </a:p>
+          <a:p>
+            <a:r>
+              <a:rPr lang="de-CH" dirty="0"/>
+              <a:t>Lua-</a:t>
+            </a:r>
+            <a:r>
+              <a:rPr lang="de-CH" dirty="0" err="1"/>
+              <a:t>Skripting</a:t>
+            </a:r>
+            <a:r>
+              <a:rPr lang="de-CH" dirty="0"/>
+              <a:t> lernen und anwenden</a:t>
+            </a:r>
+          </a:p>
+          <a:p>
+            <a:r>
+              <a:rPr lang="de-CH" dirty="0"/>
+              <a:t>Die typischen Elemente einer Migros-Filiale integrieren</a:t>
+            </a:r>
+          </a:p>
+          <a:p>
+            <a:r>
+              <a:rPr lang="de-CH" dirty="0"/>
+              <a:t>Benutzerfreundliches UI gestalten</a:t>
+            </a:r>
+          </a:p>
+          <a:p>
+            <a:r>
+              <a:rPr lang="de-CH" dirty="0"/>
+              <a:t>Sounds, Ladebildschirm, Tutorial und 3D-Modelle einbauen</a:t>
+            </a:r>
+          </a:p>
+          <a:p>
+            <a:r>
+              <a:rPr lang="de-CH" dirty="0"/>
+              <a:t>Projekt auf GitHub dokumentieren</a:t>
+            </a:r>
+          </a:p>
+          <a:p>
+            <a:endParaRPr lang="fr-FR" dirty="0"/>
+          </a:p>
+        </p:txBody>
+      </p:sp>
+    </p:spTree>
+    <p:extLst>
+      <p:ext uri="{BB962C8B-B14F-4D97-AF65-F5344CB8AC3E}">
+        <p14:creationId xmlns:p14="http://schemas.microsoft.com/office/powerpoint/2010/main" val="2217722508"/>
+      </p:ext>
+    </p:extLst>
+  </p:cSld>
+  <p:clrMapOvr>
+    <a:masterClrMapping/>
+  </p:clrMapOvr>
+</p:sld>
+</file>
+
+<file path=ppt/slides/slide5.xml><?xml version="1.0" encoding="utf-8"?>
+<p:sld xmlns:a="http://schemas.openxmlformats.org/drawingml/2006/main" xmlns:r="http://schemas.openxmlformats.org/officeDocument/2006/relationships" xmlns:p="http://schemas.openxmlformats.org/presentationml/2006/main">
+  <p:cSld>
+    <p:spTree>
+      <p:nvGrpSpPr>
+        <p:cNvPr id="1" name=""/>
+        <p:cNvGrpSpPr/>
+        <p:nvPr/>
+      </p:nvGrpSpPr>
+      <p:grpSpPr>
+        <a:xfrm>
+          <a:off x="0" y="0"/>
+          <a:ext cx="0" cy="0"/>
+          <a:chOff x="0" y="0"/>
+          <a:chExt cx="0" cy="0"/>
+        </a:xfrm>
+      </p:grpSpPr>
+      <p:sp>
+        <p:nvSpPr>
+          <p:cNvPr id="2" name="Titel 1">
+            <a:extLst>
+              <a:ext uri="{FF2B5EF4-FFF2-40B4-BE49-F238E27FC236}">
+                <a16:creationId xmlns:a16="http://schemas.microsoft.com/office/drawing/2014/main" id="{B817FFDB-74E3-EAD2-6801-13BD6467F5A2}"/>
+              </a:ext>
+            </a:extLst>
+          </p:cNvPr>
+          <p:cNvSpPr>
+            <a:spLocks noGrp="1"/>
+          </p:cNvSpPr>
+          <p:nvPr>
+            <p:ph type="title"/>
+          </p:nvPr>
+        </p:nvSpPr>
+        <p:spPr/>
+        <p:txBody>
+          <a:bodyPr/>
+          <a:lstStyle/>
+          <a:p>
+            <a:r>
+              <a:rPr lang="de-CH" dirty="0"/>
+              <a:t>Erreichte Zwischenziele (Meilenstein 1)</a:t>
+            </a:r>
+            <a:br>
+              <a:rPr lang="de-CH" b="1" dirty="0"/>
+            </a:br>
+            <a:endParaRPr lang="fr-FR" dirty="0"/>
+          </a:p>
+        </p:txBody>
+      </p:sp>
+      <p:sp>
+        <p:nvSpPr>
+          <p:cNvPr id="3" name="Inhaltsplatzhalter 2">
+            <a:extLst>
+              <a:ext uri="{FF2B5EF4-FFF2-40B4-BE49-F238E27FC236}">
+                <a16:creationId xmlns:a16="http://schemas.microsoft.com/office/drawing/2014/main" id="{0A789EB9-F129-422C-EC15-3509A5855064}"/>
+              </a:ext>
+            </a:extLst>
+          </p:cNvPr>
+          <p:cNvSpPr>
+            <a:spLocks noGrp="1"/>
+          </p:cNvSpPr>
+          <p:nvPr>
+            <p:ph idx="1"/>
+          </p:nvPr>
+        </p:nvSpPr>
+        <p:spPr/>
+        <p:txBody>
+          <a:bodyPr/>
+          <a:lstStyle/>
+          <a:p>
+            <a:r>
+              <a:rPr lang="de-DE" b="1" dirty="0"/>
+              <a:t>Grundlagen und Vorbereitung:</a:t>
+            </a:r>
+            <a:endParaRPr lang="de-DE" dirty="0"/>
+          </a:p>
+          <a:p>
+            <a:r>
+              <a:rPr lang="de-DE" dirty="0"/>
+              <a:t>Tutorials, Artikel und Videos studiert</a:t>
+            </a:r>
+          </a:p>
+          <a:p>
+            <a:r>
+              <a:rPr lang="de-DE" dirty="0"/>
+              <a:t>Roblox-Account erstellt</a:t>
+            </a:r>
+          </a:p>
+          <a:p>
+            <a:r>
+              <a:rPr lang="de-DE" dirty="0"/>
+              <a:t>Plattform-Verständnis aufgebaut</a:t>
+            </a:r>
+          </a:p>
+          <a:p>
+            <a:r>
+              <a:rPr lang="de-DE" dirty="0"/>
+              <a:t>Map gestaltet mit Umgebung, Rand, Häusern und Spawnpunkt</a:t>
+            </a:r>
+          </a:p>
+          <a:p>
+            <a:r>
+              <a:rPr lang="de-DE" dirty="0"/>
+              <a:t>Tycoon-Plätze verteilt</a:t>
+            </a:r>
+          </a:p>
+          <a:p>
+            <a:r>
+              <a:rPr lang="de-DE" dirty="0"/>
+              <a:t>Erster Dropper + Geldsystem + UI integriert</a:t>
+            </a:r>
+          </a:p>
+          <a:p>
+            <a:r>
+              <a:rPr lang="de-DE" dirty="0"/>
+              <a:t>Blender installiert</a:t>
+            </a:r>
+          </a:p>
+          <a:p>
+            <a:endParaRPr lang="fr-FR" dirty="0"/>
+          </a:p>
+        </p:txBody>
+      </p:sp>
+    </p:spTree>
+    <p:extLst>
+      <p:ext uri="{BB962C8B-B14F-4D97-AF65-F5344CB8AC3E}">
+        <p14:creationId xmlns:p14="http://schemas.microsoft.com/office/powerpoint/2010/main" val="3634840552"/>
+      </p:ext>
+    </p:extLst>
+  </p:cSld>
+  <p:clrMapOvr>
+    <a:masterClrMapping/>
+  </p:clrMapOvr>
+</p:sld>
+</file>
+
+<file path=ppt/slides/slide6.xml><?xml version="1.0" encoding="utf-8"?>
+<p:sld xmlns:a="http://schemas.openxmlformats.org/drawingml/2006/main" xmlns:r="http://schemas.openxmlformats.org/officeDocument/2006/relationships" xmlns:p="http://schemas.openxmlformats.org/presentationml/2006/main">
+  <p:cSld>
+    <p:spTree>
+      <p:nvGrpSpPr>
+        <p:cNvPr id="1" name=""/>
+        <p:cNvGrpSpPr/>
+        <p:nvPr/>
+      </p:nvGrpSpPr>
+      <p:grpSpPr>
+        <a:xfrm>
+          <a:off x="0" y="0"/>
+          <a:ext cx="0" cy="0"/>
+          <a:chOff x="0" y="0"/>
+          <a:chExt cx="0" cy="0"/>
+        </a:xfrm>
+      </p:grpSpPr>
+      <p:sp>
+        <p:nvSpPr>
+          <p:cNvPr id="2" name="Titel 1">
+            <a:extLst>
+              <a:ext uri="{FF2B5EF4-FFF2-40B4-BE49-F238E27FC236}">
+                <a16:creationId xmlns:a16="http://schemas.microsoft.com/office/drawing/2014/main" id="{F5BFEA33-954C-27EC-B4FF-D8C697573E95}"/>
+              </a:ext>
+            </a:extLst>
+          </p:cNvPr>
+          <p:cNvSpPr>
+            <a:spLocks noGrp="1"/>
+          </p:cNvSpPr>
+          <p:nvPr>
+            <p:ph type="title"/>
+          </p:nvPr>
+        </p:nvSpPr>
+        <p:spPr/>
+        <p:txBody>
+          <a:bodyPr/>
+          <a:lstStyle/>
+          <a:p>
+            <a:r>
+              <a:rPr lang="fr-FR" dirty="0" err="1"/>
+              <a:t>Erreichte</a:t>
+            </a:r>
+            <a:r>
+              <a:rPr lang="fr-FR" dirty="0"/>
+              <a:t> </a:t>
+            </a:r>
+            <a:r>
+              <a:rPr lang="fr-FR" dirty="0" err="1"/>
+              <a:t>Zwischenziele</a:t>
+            </a:r>
+            <a:r>
+              <a:rPr lang="fr-FR" dirty="0"/>
+              <a:t> (</a:t>
+            </a:r>
+            <a:r>
+              <a:rPr lang="fr-FR" dirty="0" err="1"/>
+              <a:t>Meilenstein</a:t>
+            </a:r>
+            <a:r>
+              <a:rPr lang="fr-FR" dirty="0"/>
+              <a:t> 2)</a:t>
+            </a:r>
+          </a:p>
+        </p:txBody>
+      </p:sp>
+      <p:sp>
+        <p:nvSpPr>
+          <p:cNvPr id="3" name="Inhaltsplatzhalter 2">
+            <a:extLst>
+              <a:ext uri="{FF2B5EF4-FFF2-40B4-BE49-F238E27FC236}">
+                <a16:creationId xmlns:a16="http://schemas.microsoft.com/office/drawing/2014/main" id="{2E5673E1-9360-0773-51FF-F84C9D5F79EA}"/>
+              </a:ext>
+            </a:extLst>
+          </p:cNvPr>
+          <p:cNvSpPr>
+            <a:spLocks noGrp="1"/>
+          </p:cNvSpPr>
+          <p:nvPr>
+            <p:ph idx="1"/>
+          </p:nvPr>
+        </p:nvSpPr>
+        <p:spPr/>
+        <p:txBody>
+          <a:bodyPr/>
+          <a:lstStyle/>
+          <a:p>
+            <a:r>
+              <a:rPr lang="de-CH" b="1" dirty="0"/>
+              <a:t>Gameplay-Logik und Inhalte:</a:t>
+            </a:r>
+            <a:endParaRPr lang="de-CH" dirty="0"/>
+          </a:p>
+          <a:p>
+            <a:r>
+              <a:rPr lang="de-CH" dirty="0"/>
+              <a:t>Kaufbare Objekte mit Reihenfolge</a:t>
+            </a:r>
+          </a:p>
+          <a:p>
+            <a:r>
+              <a:rPr lang="de-CH" dirty="0"/>
+              <a:t>Migros-Modelle aus AI generiert und eingebaut (Ice Tea, Energy, etc.)</a:t>
+            </a:r>
+          </a:p>
+          <a:p>
+            <a:r>
+              <a:rPr lang="de-CH" dirty="0"/>
+              <a:t>Soundeffekte für Kauf, Abgabe usw. hinzugefügt</a:t>
+            </a:r>
+          </a:p>
+          <a:p>
+            <a:r>
+              <a:rPr lang="de-CH" dirty="0"/>
+              <a:t>Ladebildschirm mit Animationen und Fortschrittsbalken</a:t>
+            </a:r>
+          </a:p>
+          <a:p>
+            <a:r>
+              <a:rPr lang="de-CH" dirty="0"/>
+              <a:t>Tutorial-Slideshow mit </a:t>
+            </a:r>
+            <a:r>
+              <a:rPr lang="de-CH" dirty="0" err="1"/>
+              <a:t>Erklärfunktionen</a:t>
+            </a:r>
+            <a:r>
+              <a:rPr lang="de-CH" dirty="0"/>
+              <a:t> für neue Spieler</a:t>
+            </a:r>
+          </a:p>
+          <a:p>
+            <a:endParaRPr lang="fr-FR" dirty="0"/>
+          </a:p>
+        </p:txBody>
+      </p:sp>
+    </p:spTree>
+    <p:extLst>
+      <p:ext uri="{BB962C8B-B14F-4D97-AF65-F5344CB8AC3E}">
+        <p14:creationId xmlns:p14="http://schemas.microsoft.com/office/powerpoint/2010/main" val="64369574"/>
+      </p:ext>
+    </p:extLst>
+  </p:cSld>
+  <p:clrMapOvr>
+    <a:masterClrMapping/>
+  </p:clrMapOvr>
+</p:sld>
+</file>
+
+<file path=ppt/slides/slide7.xml><?xml version="1.0" encoding="utf-8"?>
+<p:sld xmlns:a="http://schemas.openxmlformats.org/drawingml/2006/main" xmlns:r="http://schemas.openxmlformats.org/officeDocument/2006/relationships" xmlns:p="http://schemas.openxmlformats.org/presentationml/2006/main">
+  <p:cSld>
+    <p:spTree>
+      <p:nvGrpSpPr>
+        <p:cNvPr id="1" name=""/>
+        <p:cNvGrpSpPr/>
+        <p:nvPr/>
+      </p:nvGrpSpPr>
+      <p:grpSpPr>
+        <a:xfrm>
+          <a:off x="0" y="0"/>
+          <a:ext cx="0" cy="0"/>
+          <a:chOff x="0" y="0"/>
+          <a:chExt cx="0" cy="0"/>
+        </a:xfrm>
+      </p:grpSpPr>
+      <p:sp>
+        <p:nvSpPr>
+          <p:cNvPr id="2" name="Titel 1">
+            <a:extLst>
+              <a:ext uri="{FF2B5EF4-FFF2-40B4-BE49-F238E27FC236}">
+                <a16:creationId xmlns:a16="http://schemas.microsoft.com/office/drawing/2014/main" id="{095DFC8C-9A81-0740-F291-3FA0B99B595F}"/>
+              </a:ext>
+            </a:extLst>
+          </p:cNvPr>
+          <p:cNvSpPr>
+            <a:spLocks noGrp="1"/>
+          </p:cNvSpPr>
+          <p:nvPr>
+            <p:ph type="title"/>
+          </p:nvPr>
+        </p:nvSpPr>
+        <p:spPr/>
+        <p:txBody>
+          <a:bodyPr/>
+          <a:lstStyle/>
+          <a:p>
+            <a:r>
+              <a:rPr lang="de-DE" dirty="0"/>
+              <a:t>Erreichte Zwischenziele (Meilenstein 3)</a:t>
+            </a:r>
+            <a:endParaRPr lang="fr-FR" dirty="0"/>
+          </a:p>
+        </p:txBody>
+      </p:sp>
+      <p:sp>
+        <p:nvSpPr>
+          <p:cNvPr id="3" name="Inhaltsplatzhalter 2">
+            <a:extLst>
+              <a:ext uri="{FF2B5EF4-FFF2-40B4-BE49-F238E27FC236}">
+                <a16:creationId xmlns:a16="http://schemas.microsoft.com/office/drawing/2014/main" id="{9FC805DB-D534-1E96-8EF7-8342F524D886}"/>
+              </a:ext>
+            </a:extLst>
+          </p:cNvPr>
+          <p:cNvSpPr>
+            <a:spLocks noGrp="1"/>
+          </p:cNvSpPr>
+          <p:nvPr>
+            <p:ph idx="1"/>
+          </p:nvPr>
+        </p:nvSpPr>
+        <p:spPr/>
+        <p:txBody>
+          <a:bodyPr/>
+          <a:lstStyle/>
+          <a:p>
+            <a:r>
+              <a:rPr lang="de-CH" b="1" dirty="0"/>
+              <a:t>Test &amp; Kontrolle:</a:t>
+            </a:r>
+            <a:endParaRPr lang="de-CH" dirty="0"/>
+          </a:p>
+          <a:p>
+            <a:r>
+              <a:rPr lang="de-CH" dirty="0"/>
+              <a:t>Funktionen mehrfach getestet</a:t>
+            </a:r>
+          </a:p>
+          <a:p>
+            <a:r>
+              <a:rPr lang="de-CH" dirty="0"/>
+              <a:t>UI überarbeitet</a:t>
+            </a:r>
+          </a:p>
+          <a:p>
+            <a:r>
+              <a:rPr lang="de-CH" dirty="0"/>
+              <a:t>Animierte Türen, Lichter, Spawn-Logik</a:t>
+            </a:r>
+          </a:p>
+          <a:p>
+            <a:r>
+              <a:rPr lang="de-CH" dirty="0"/>
+              <a:t>Fortschrittsreihenfolge (</a:t>
+            </a:r>
+            <a:r>
+              <a:rPr lang="de-CH" dirty="0" err="1"/>
+              <a:t>Dependency</a:t>
+            </a:r>
+            <a:r>
+              <a:rPr lang="de-CH" dirty="0"/>
+              <a:t>-System) für Upgrades</a:t>
+            </a:r>
+          </a:p>
+          <a:p>
+            <a:r>
+              <a:rPr lang="de-CH" dirty="0"/>
+              <a:t>Spielstruktur aufgeräumt (Models, Scripts, Assets)</a:t>
+            </a:r>
+          </a:p>
+          <a:p>
+            <a:r>
+              <a:rPr lang="de-CH" dirty="0"/>
+              <a:t>Projekt dokumentiert, Change-Log gepflegt</a:t>
+            </a:r>
+          </a:p>
+          <a:p>
+            <a:endParaRPr lang="fr-FR" dirty="0"/>
+          </a:p>
+        </p:txBody>
+      </p:sp>
+    </p:spTree>
+    <p:extLst>
+      <p:ext uri="{BB962C8B-B14F-4D97-AF65-F5344CB8AC3E}">
+        <p14:creationId xmlns:p14="http://schemas.microsoft.com/office/powerpoint/2010/main" val="1738968982"/>
+      </p:ext>
+    </p:extLst>
+  </p:cSld>
+  <p:clrMapOvr>
+    <a:masterClrMapping/>
+  </p:clrMapOvr>
+</p:sld>
+</file>
+
+<file path=ppt/slides/slide8.xml><?xml version="1.0" encoding="utf-8"?>
+<p:sld xmlns:a="http://schemas.openxmlformats.org/drawingml/2006/main" xmlns:r="http://schemas.openxmlformats.org/officeDocument/2006/relationships" xmlns:p="http://schemas.openxmlformats.org/presentationml/2006/main">
+  <p:cSld>
+    <p:spTree>
+      <p:nvGrpSpPr>
+        <p:cNvPr id="1" name=""/>
+        <p:cNvGrpSpPr/>
+        <p:nvPr/>
+      </p:nvGrpSpPr>
+      <p:grpSpPr>
+        <a:xfrm>
+          <a:off x="0" y="0"/>
+          <a:ext cx="0" cy="0"/>
+          <a:chOff x="0" y="0"/>
+          <a:chExt cx="0" cy="0"/>
+        </a:xfrm>
+      </p:grpSpPr>
+      <p:sp>
+        <p:nvSpPr>
+          <p:cNvPr id="2" name="Titel 1">
+            <a:extLst>
+              <a:ext uri="{FF2B5EF4-FFF2-40B4-BE49-F238E27FC236}">
+                <a16:creationId xmlns:a16="http://schemas.microsoft.com/office/drawing/2014/main" id="{4834CAEA-3075-6709-AF4D-40695D78E22D}"/>
+              </a:ext>
+            </a:extLst>
+          </p:cNvPr>
+          <p:cNvSpPr>
+            <a:spLocks noGrp="1"/>
+          </p:cNvSpPr>
+          <p:nvPr>
+            <p:ph type="title"/>
+          </p:nvPr>
+        </p:nvSpPr>
+        <p:spPr/>
+        <p:txBody>
+          <a:bodyPr/>
+          <a:lstStyle/>
+          <a:p>
+            <a:r>
+              <a:rPr lang="fr-FR" dirty="0"/>
+              <a:t>Live-</a:t>
+            </a:r>
+            <a:r>
+              <a:rPr lang="fr-FR" dirty="0" err="1"/>
+              <a:t>Demonstration</a:t>
+            </a:r>
+            <a:r>
+              <a:rPr lang="fr-FR" dirty="0"/>
+              <a:t> (Intro)</a:t>
+            </a:r>
+          </a:p>
+        </p:txBody>
+      </p:sp>
+      <p:sp>
+        <p:nvSpPr>
+          <p:cNvPr id="3" name="Inhaltsplatzhalter 2">
+            <a:extLst>
+              <a:ext uri="{FF2B5EF4-FFF2-40B4-BE49-F238E27FC236}">
+                <a16:creationId xmlns:a16="http://schemas.microsoft.com/office/drawing/2014/main" id="{AD4B9765-83F3-8E36-6E08-91DF5A840F37}"/>
+              </a:ext>
+            </a:extLst>
+          </p:cNvPr>
+          <p:cNvSpPr>
+            <a:spLocks noGrp="1"/>
+          </p:cNvSpPr>
+          <p:nvPr>
+            <p:ph idx="1"/>
+          </p:nvPr>
+        </p:nvSpPr>
+        <p:spPr/>
+        <p:txBody>
+          <a:bodyPr/>
+          <a:lstStyle/>
+          <a:p>
+            <a:r>
+              <a:rPr lang="de-DE" b="1" dirty="0"/>
+              <a:t>Jetzt zeige ich euch mein Spiel live...</a:t>
+            </a:r>
+            <a:endParaRPr lang="de-DE" dirty="0"/>
+          </a:p>
+          <a:p>
+            <a:r>
+              <a:rPr lang="de-DE" dirty="0"/>
+              <a:t>Ladebildschirm</a:t>
+            </a:r>
+          </a:p>
+          <a:p>
+            <a:r>
+              <a:rPr lang="de-DE" dirty="0"/>
+              <a:t>Tutorial Slides</a:t>
+            </a:r>
+          </a:p>
+          <a:p>
+            <a:r>
+              <a:rPr lang="de-DE" dirty="0"/>
+              <a:t>Tycoon wählen</a:t>
+            </a:r>
+          </a:p>
+          <a:p>
+            <a:r>
+              <a:rPr lang="de-DE" dirty="0"/>
+              <a:t>Kaufen und Upgraden</a:t>
+            </a:r>
+          </a:p>
+          <a:p>
+            <a:r>
+              <a:rPr lang="de-DE" dirty="0"/>
+              <a:t>Dropper beobachten</a:t>
+            </a:r>
+          </a:p>
+          <a:p>
+            <a:r>
+              <a:rPr lang="de-DE" dirty="0"/>
+              <a:t>Cash sammeln</a:t>
+            </a:r>
+          </a:p>
+          <a:p>
+            <a:endParaRPr lang="fr-FR" dirty="0"/>
+          </a:p>
+        </p:txBody>
+      </p:sp>
+    </p:spTree>
+    <p:extLst>
+      <p:ext uri="{BB962C8B-B14F-4D97-AF65-F5344CB8AC3E}">
+        <p14:creationId xmlns:p14="http://schemas.microsoft.com/office/powerpoint/2010/main" val="3667417927"/>
+      </p:ext>
+    </p:extLst>
+  </p:cSld>
+  <p:clrMapOvr>
+    <a:masterClrMapping/>
+  </p:clrMapOvr>
+</p:sld>
+</file>
+
+<file path=ppt/slides/slide9.xml><?xml version="1.0" encoding="utf-8"?>
+<p:sld xmlns:a="http://schemas.openxmlformats.org/drawingml/2006/main" xmlns:r="http://schemas.openxmlformats.org/officeDocument/2006/relationships" xmlns:p="http://schemas.openxmlformats.org/presentationml/2006/main">
+  <p:cSld>
+    <p:spTree>
+      <p:nvGrpSpPr>
+        <p:cNvPr id="1" name=""/>
+        <p:cNvGrpSpPr/>
+        <p:nvPr/>
+      </p:nvGrpSpPr>
+      <p:grpSpPr>
+        <a:xfrm>
+          <a:off x="0" y="0"/>
+          <a:ext cx="0" cy="0"/>
+          <a:chOff x="0" y="0"/>
+          <a:chExt cx="0" cy="0"/>
+        </a:xfrm>
+      </p:grpSpPr>
+      <p:sp>
+        <p:nvSpPr>
+          <p:cNvPr id="2" name="Titel 1">
+            <a:extLst>
+              <a:ext uri="{FF2B5EF4-FFF2-40B4-BE49-F238E27FC236}">
+                <a16:creationId xmlns:a16="http://schemas.microsoft.com/office/drawing/2014/main" id="{C4E8AAB9-91DD-E9A4-AAEA-B8D28F89C3AA}"/>
+              </a:ext>
+            </a:extLst>
+          </p:cNvPr>
+          <p:cNvSpPr>
+            <a:spLocks noGrp="1"/>
+          </p:cNvSpPr>
+          <p:nvPr>
+            <p:ph type="title"/>
+          </p:nvPr>
+        </p:nvSpPr>
+        <p:spPr/>
+        <p:txBody>
+          <a:bodyPr/>
+          <a:lstStyle/>
+          <a:p>
+            <a:r>
+              <a:rPr lang="fr-FR" dirty="0"/>
+              <a:t> Live-</a:t>
+            </a:r>
+            <a:r>
+              <a:rPr lang="fr-FR" dirty="0" err="1"/>
+              <a:t>Demo</a:t>
+            </a:r>
+            <a:r>
+              <a:rPr lang="fr-FR" dirty="0"/>
+              <a:t> (</a:t>
+            </a:r>
+            <a:r>
+              <a:rPr lang="fr-FR" dirty="0" err="1"/>
+              <a:t>weitere</a:t>
+            </a:r>
+            <a:r>
+              <a:rPr lang="fr-FR" dirty="0"/>
+              <a:t> </a:t>
+            </a:r>
+            <a:r>
+              <a:rPr lang="fr-FR" dirty="0" err="1"/>
+              <a:t>Punkte</a:t>
+            </a:r>
+            <a:r>
+              <a:rPr lang="fr-FR" dirty="0"/>
+              <a:t>)</a:t>
+            </a:r>
+          </a:p>
+        </p:txBody>
+      </p:sp>
+      <p:sp>
+        <p:nvSpPr>
+          <p:cNvPr id="3" name="Inhaltsplatzhalter 2">
+            <a:extLst>
+              <a:ext uri="{FF2B5EF4-FFF2-40B4-BE49-F238E27FC236}">
+                <a16:creationId xmlns:a16="http://schemas.microsoft.com/office/drawing/2014/main" id="{E5332015-0F43-80BE-3EAA-5EF6A523BE53}"/>
+              </a:ext>
+            </a:extLst>
+          </p:cNvPr>
+          <p:cNvSpPr>
+            <a:spLocks noGrp="1"/>
+          </p:cNvSpPr>
+          <p:nvPr>
+            <p:ph idx="1"/>
+          </p:nvPr>
+        </p:nvSpPr>
+        <p:spPr/>
+        <p:txBody>
+          <a:bodyPr/>
+          <a:lstStyle/>
+          <a:p>
+            <a:r>
+              <a:rPr lang="de-DE" dirty="0"/>
+              <a:t>Sounds beim Kauf &amp; Sammeln</a:t>
+            </a:r>
+          </a:p>
+          <a:p>
+            <a:r>
+              <a:rPr lang="de-DE" dirty="0"/>
+              <a:t>3D-Modelle von Migros-Produkten</a:t>
+            </a:r>
+          </a:p>
+          <a:p>
+            <a:r>
+              <a:rPr lang="de-DE" dirty="0"/>
+              <a:t>Benutzeroberfläche für Geldanzeige</a:t>
+            </a:r>
+          </a:p>
+          <a:p>
+            <a:r>
+              <a:rPr lang="de-DE" dirty="0"/>
+              <a:t>Laufanimation mit Shift</a:t>
+            </a:r>
+          </a:p>
+          <a:p>
+            <a:r>
+              <a:rPr lang="de-DE" dirty="0" err="1"/>
+              <a:t>Sliding</a:t>
+            </a:r>
+            <a:r>
+              <a:rPr lang="de-DE" dirty="0"/>
+              <a:t>-Door in Aktion</a:t>
+            </a:r>
+          </a:p>
+          <a:p>
+            <a:r>
+              <a:rPr lang="de-DE" dirty="0"/>
+              <a:t>Spawn-Verhalten für neue Spieler</a:t>
+            </a:r>
+          </a:p>
+          <a:p>
+            <a:endParaRPr lang="fr-FR" dirty="0"/>
+          </a:p>
+        </p:txBody>
+      </p:sp>
+    </p:spTree>
+    <p:extLst>
+      <p:ext uri="{BB962C8B-B14F-4D97-AF65-F5344CB8AC3E}">
+        <p14:creationId xmlns:p14="http://schemas.microsoft.com/office/powerpoint/2010/main" val="1900705039"/>
       </p:ext>
     </p:extLst>
   </p:cSld>
